--- a/meetings/week 8 Meeting.pptx
+++ b/meetings/week 8 Meeting.pptx
@@ -118,16 +118,32 @@
 </p:presentation>
 </file>
 
-<file path=ppt/revisionInfo.xml><?xml version="1.0" encoding="utf-8"?>
-<p1510:revInfo xmlns:a="http://schemas.openxmlformats.org/drawingml/2006/main" xmlns:r="http://schemas.openxmlformats.org/officeDocument/2006/relationships" xmlns:p1510="http://schemas.microsoft.com/office/powerpoint/2015/10/main">
-  <p1510:revLst>
-    <p1510:client id="{2CE77234-45D2-4BE8-9BC0-53002AD75007}" v="8" dt="2021-11-21T01:54:51.623"/>
-  </p1510:revLst>
-</p1510:revInfo>
-</file>
-
 <file path=ppt/changesInfos/changesInfo1.xml><?xml version="1.0" encoding="utf-8"?>
 <pc:chgInfo xmlns:a="http://schemas.openxmlformats.org/drawingml/2006/main" xmlns:r="http://schemas.openxmlformats.org/officeDocument/2006/relationships" xmlns:ac="http://schemas.microsoft.com/office/drawing/2013/main/command" xmlns:pc="http://schemas.microsoft.com/office/powerpoint/2013/main/command">
+  <pc:docChgLst>
+    <pc:chgData name="toby lee" userId="c2b0b406bfa6151f" providerId="LiveId" clId="{AE90BCB7-16FB-4063-90F1-0119AECB2071}"/>
+    <pc:docChg chg="modSld">
+      <pc:chgData name="toby lee" userId="c2b0b406bfa6151f" providerId="LiveId" clId="{AE90BCB7-16FB-4063-90F1-0119AECB2071}" dt="2022-04-08T03:23:29.822" v="0" actId="1076"/>
+      <pc:docMkLst>
+        <pc:docMk/>
+      </pc:docMkLst>
+      <pc:sldChg chg="modSp mod">
+        <pc:chgData name="toby lee" userId="c2b0b406bfa6151f" providerId="LiveId" clId="{AE90BCB7-16FB-4063-90F1-0119AECB2071}" dt="2022-04-08T03:23:29.822" v="0" actId="1076"/>
+        <pc:sldMkLst>
+          <pc:docMk/>
+          <pc:sldMk cId="3956411206" sldId="256"/>
+        </pc:sldMkLst>
+        <pc:picChg chg="mod">
+          <ac:chgData name="toby lee" userId="c2b0b406bfa6151f" providerId="LiveId" clId="{AE90BCB7-16FB-4063-90F1-0119AECB2071}" dt="2022-04-08T03:23:29.822" v="0" actId="1076"/>
+          <ac:picMkLst>
+            <pc:docMk/>
+            <pc:sldMk cId="3956411206" sldId="256"/>
+            <ac:picMk id="4" creationId="{5F827CDF-9D4F-45C5-B8E2-4A527B25DEAF}"/>
+          </ac:picMkLst>
+        </pc:picChg>
+      </pc:sldChg>
+    </pc:docChg>
+  </pc:docChgLst>
   <pc:docChgLst>
     <pc:chgData name="toby lee" userId="c2b0b406bfa6151f" providerId="LiveId" clId="{2CE77234-45D2-4BE8-9BC0-53002AD75007}"/>
     <pc:docChg chg="undo custSel addSld delSld modSld">
@@ -713,7 +729,7 @@
           <a:p>
             <a:fld id="{ED291B17-9318-49DB-B28B-6E5994AE9581}" type="datetime1">
               <a:rPr lang="en-US" smtClean="0"/>
-              <a:t>11/22/2021</a:t>
+              <a:t>4/8/2022</a:t>
             </a:fld>
             <a:endParaRPr lang="en-US" dirty="0"/>
           </a:p>
@@ -916,7 +932,7 @@
           <a:p>
             <a:fld id="{2CED4963-E985-44C4-B8C4-FDD613B7C2F8}" type="datetime1">
               <a:rPr lang="en-US" smtClean="0"/>
-              <a:t>11/22/2021</a:t>
+              <a:t>4/8/2022</a:t>
             </a:fld>
             <a:endParaRPr lang="en-US" dirty="0"/>
           </a:p>
@@ -1278,7 +1294,7 @@
           <a:p>
             <a:fld id="{ED291B17-9318-49DB-B28B-6E5994AE9581}" type="datetime1">
               <a:rPr lang="en-US" smtClean="0"/>
-              <a:t>11/22/2021</a:t>
+              <a:t>4/8/2022</a:t>
             </a:fld>
             <a:endParaRPr lang="en-US" dirty="0"/>
           </a:p>
@@ -1476,7 +1492,7 @@
           <a:p>
             <a:fld id="{78DD82B9-B8EE-4375-B6FF-88FA6ABB15D9}" type="datetime1">
               <a:rPr lang="en-US" smtClean="0"/>
-              <a:t>11/22/2021</a:t>
+              <a:t>4/8/2022</a:t>
             </a:fld>
             <a:endParaRPr lang="en-US" dirty="0"/>
           </a:p>
@@ -1788,7 +1804,7 @@
           <a:p>
             <a:fld id="{B2497495-0637-405E-AE64-5CC7506D51F5}" type="datetime1">
               <a:rPr lang="en-US" smtClean="0"/>
-              <a:t>11/22/2021</a:t>
+              <a:t>4/8/2022</a:t>
             </a:fld>
             <a:endParaRPr lang="en-US" dirty="0"/>
           </a:p>
@@ -2041,7 +2057,7 @@
           <a:p>
             <a:fld id="{7BFFD690-9426-415D-8B65-26881E07B2D4}" type="datetime1">
               <a:rPr lang="en-US" smtClean="0"/>
-              <a:t>11/22/2021</a:t>
+              <a:t>4/8/2022</a:t>
             </a:fld>
             <a:endParaRPr lang="en-US" dirty="0"/>
           </a:p>
@@ -2463,7 +2479,7 @@
           <a:p>
             <a:fld id="{04C4989A-474C-40DE-95B9-011C28B71673}" type="datetime1">
               <a:rPr lang="en-US" smtClean="0"/>
-              <a:t>11/22/2021</a:t>
+              <a:t>4/8/2022</a:t>
             </a:fld>
             <a:endParaRPr lang="en-US" dirty="0"/>
           </a:p>
@@ -2586,7 +2602,7 @@
           <a:p>
             <a:fld id="{5DB4ED54-5B5E-4A04-93D3-5772E3CE3818}" type="datetime1">
               <a:rPr lang="en-US" smtClean="0"/>
-              <a:t>11/22/2021</a:t>
+              <a:t>4/8/2022</a:t>
             </a:fld>
             <a:endParaRPr lang="en-US" dirty="0"/>
           </a:p>
@@ -2681,7 +2697,7 @@
           <a:p>
             <a:fld id="{4EDE50D6-574B-40AF-946F-D52A04ADE379}" type="datetime1">
               <a:rPr lang="en-US" smtClean="0"/>
-              <a:t>11/22/2021</a:t>
+              <a:t>4/8/2022</a:t>
             </a:fld>
             <a:endParaRPr lang="en-US" dirty="0"/>
           </a:p>
@@ -3058,7 +3074,7 @@
           <a:p>
             <a:fld id="{D82884F1-FFEA-405F-9602-3DCA865EDA4E}" type="datetime1">
               <a:rPr lang="en-US" smtClean="0"/>
-              <a:t>11/22/2021</a:t>
+              <a:t>4/8/2022</a:t>
             </a:fld>
             <a:endParaRPr lang="en-US" dirty="0"/>
           </a:p>
@@ -3351,7 +3367,7 @@
           <a:p>
             <a:fld id="{7E18DB4A-8810-4A10-AD5C-D5E2C667F5B3}" type="datetime1">
               <a:rPr lang="en-US" smtClean="0"/>
-              <a:t>11/22/2021</a:t>
+              <a:t>4/8/2022</a:t>
             </a:fld>
             <a:endParaRPr lang="en-US" dirty="0"/>
           </a:p>
@@ -3566,7 +3582,7 @@
           <a:p>
             <a:fld id="{ED291B17-9318-49DB-B28B-6E5994AE9581}" type="datetime1">
               <a:rPr lang="en-US" smtClean="0"/>
-              <a:t>11/22/2021</a:t>
+              <a:t>4/8/2022</a:t>
             </a:fld>
             <a:endParaRPr lang="en-US" dirty="0"/>
           </a:p>
@@ -4299,7 +4315,7 @@
         </p:blipFill>
         <p:spPr>
           <a:xfrm>
-            <a:off x="20" y="0"/>
+            <a:off x="0" y="-86810"/>
             <a:ext cx="12191980" cy="6857990"/>
           </a:xfrm>
           <a:prstGeom prst="rect">
